--- a/Slides/PH223_Lecture_16.pptx
+++ b/Slides/PH223_Lecture_16.pptx
@@ -206,13 +206,53 @@
 <file path=ppt/revisionInfo.xml><?xml version="1.0" encoding="utf-8"?>
 <p1510:revInfo xmlns:a="http://schemas.openxmlformats.org/drawingml/2006/main" xmlns:r="http://schemas.openxmlformats.org/officeDocument/2006/relationships" xmlns:p1510="http://schemas.microsoft.com/office/powerpoint/2015/10/main">
   <p1510:revLst>
-    <p1510:client id="{6085179F-D508-4D02-B13C-4D5C1C2EB02F}" v="19" dt="2024-05-16T17:29:21.758"/>
+    <p1510:client id="{C03B7BF8-8995-4F0A-8544-B97870947199}" v="3" dt="2024-10-10T16:55:03.043"/>
   </p1510:revLst>
 </p1510:revInfo>
 </file>
 
 <file path=ppt/changesInfos/changesInfo1.xml><?xml version="1.0" encoding="utf-8"?>
 <pc:chgInfo xmlns:a="http://schemas.openxmlformats.org/drawingml/2006/main" xmlns:r="http://schemas.openxmlformats.org/officeDocument/2006/relationships" xmlns:ac="http://schemas.microsoft.com/office/drawing/2013/main/command" xmlns:pc="http://schemas.microsoft.com/office/powerpoint/2013/main/command">
+  <pc:docChgLst>
+    <pc:chgData name="Lines, Todd" userId="afaf7c3a-e8aa-4568-882a-02ad8f9e19b0" providerId="ADAL" clId="{C03B7BF8-8995-4F0A-8544-B97870947199}"/>
+    <pc:docChg chg="modSld">
+      <pc:chgData name="Lines, Todd" userId="afaf7c3a-e8aa-4568-882a-02ad8f9e19b0" providerId="ADAL" clId="{C03B7BF8-8995-4F0A-8544-B97870947199}" dt="2024-10-10T16:55:03.042" v="3"/>
+      <pc:docMkLst>
+        <pc:docMk/>
+      </pc:docMkLst>
+      <pc:sldChg chg="addSp modSp mod">
+        <pc:chgData name="Lines, Todd" userId="afaf7c3a-e8aa-4568-882a-02ad8f9e19b0" providerId="ADAL" clId="{C03B7BF8-8995-4F0A-8544-B97870947199}" dt="2024-10-10T16:55:03.042" v="3"/>
+        <pc:sldMkLst>
+          <pc:docMk/>
+          <pc:sldMk cId="0" sldId="304"/>
+        </pc:sldMkLst>
+        <pc:spChg chg="mod">
+          <ac:chgData name="Lines, Todd" userId="afaf7c3a-e8aa-4568-882a-02ad8f9e19b0" providerId="ADAL" clId="{C03B7BF8-8995-4F0A-8544-B97870947199}" dt="2024-10-10T16:54:20.731" v="2" actId="1076"/>
+          <ac:spMkLst>
+            <pc:docMk/>
+            <pc:sldMk cId="0" sldId="304"/>
+            <ac:spMk id="2" creationId="{00000000-0000-0000-0000-000000000000}"/>
+          </ac:spMkLst>
+        </pc:spChg>
+        <pc:graphicFrameChg chg="mod">
+          <ac:chgData name="Lines, Todd" userId="afaf7c3a-e8aa-4568-882a-02ad8f9e19b0" providerId="ADAL" clId="{C03B7BF8-8995-4F0A-8544-B97870947199}" dt="2024-10-10T16:54:20.731" v="2" actId="1076"/>
+          <ac:graphicFrameMkLst>
+            <pc:docMk/>
+            <pc:sldMk cId="0" sldId="304"/>
+            <ac:graphicFrameMk id="25601" creationId="{00000000-0000-0000-0000-000000000000}"/>
+          </ac:graphicFrameMkLst>
+        </pc:graphicFrameChg>
+        <pc:picChg chg="add mod">
+          <ac:chgData name="Lines, Todd" userId="afaf7c3a-e8aa-4568-882a-02ad8f9e19b0" providerId="ADAL" clId="{C03B7BF8-8995-4F0A-8544-B97870947199}" dt="2024-10-10T16:55:03.042" v="3"/>
+          <ac:picMkLst>
+            <pc:docMk/>
+            <pc:sldMk cId="0" sldId="304"/>
+            <ac:picMk id="1026" creationId="{A99261AE-D5B0-C145-7F06-8D9AD4FA7212}"/>
+          </ac:picMkLst>
+        </pc:picChg>
+      </pc:sldChg>
+    </pc:docChg>
+  </pc:docChgLst>
   <pc:docChgLst>
     <pc:chgData name="Lines, Todd" userId="afaf7c3a-e8aa-4568-882a-02ad8f9e19b0" providerId="ADAL" clId="{6085179F-D508-4D02-B13C-4D5C1C2EB02F}"/>
     <pc:docChg chg="undo custSel addSld delSld modSld sldOrd modNotesMaster">
@@ -654,13 +694,6 @@
           <pc:sldMk cId="0" sldId="656"/>
         </pc:sldMkLst>
       </pc:sldChg>
-      <pc:sldChg chg="add">
-        <pc:chgData name="Lines, Todd" userId="afaf7c3a-e8aa-4568-882a-02ad8f9e19b0" providerId="ADAL" clId="{14296D12-9F60-4F77-B385-37A87B0E06F0}" dt="2023-10-05T22:32:58.033" v="2"/>
-        <pc:sldMkLst>
-          <pc:docMk/>
-          <pc:sldMk cId="4197714642" sldId="657"/>
-        </pc:sldMkLst>
-      </pc:sldChg>
       <pc:sldChg chg="add del">
         <pc:chgData name="Lines, Todd" userId="afaf7c3a-e8aa-4568-882a-02ad8f9e19b0" providerId="ADAL" clId="{14296D12-9F60-4F77-B385-37A87B0E06F0}" dt="2023-10-05T22:32:51.659" v="1" actId="2696"/>
         <pc:sldMkLst>
@@ -689,25 +722,11 @@
           <pc:sldMk cId="0" sldId="1268"/>
         </pc:sldMkLst>
       </pc:sldChg>
-      <pc:sldChg chg="add del">
-        <pc:chgData name="Lines, Todd" userId="afaf7c3a-e8aa-4568-882a-02ad8f9e19b0" providerId="ADAL" clId="{14296D12-9F60-4F77-B385-37A87B0E06F0}" dt="2023-10-05T22:56:34.640" v="100" actId="2696"/>
-        <pc:sldMkLst>
-          <pc:docMk/>
-          <pc:sldMk cId="2040231389" sldId="1269"/>
-        </pc:sldMkLst>
-      </pc:sldChg>
       <pc:sldChg chg="add">
         <pc:chgData name="Lines, Todd" userId="afaf7c3a-e8aa-4568-882a-02ad8f9e19b0" providerId="ADAL" clId="{14296D12-9F60-4F77-B385-37A87B0E06F0}" dt="2023-10-05T22:56:43.289" v="101"/>
         <pc:sldMkLst>
           <pc:docMk/>
           <pc:sldMk cId="2040231389" sldId="1269"/>
-        </pc:sldMkLst>
-      </pc:sldChg>
-      <pc:sldChg chg="add del">
-        <pc:chgData name="Lines, Todd" userId="afaf7c3a-e8aa-4568-882a-02ad8f9e19b0" providerId="ADAL" clId="{14296D12-9F60-4F77-B385-37A87B0E06F0}" dt="2023-10-05T22:59:36.617" v="102" actId="2696"/>
-        <pc:sldMkLst>
-          <pc:docMk/>
-          <pc:sldMk cId="1410193377" sldId="1270"/>
         </pc:sldMkLst>
       </pc:sldChg>
       <pc:sldChg chg="modSp add mod">
@@ -725,13 +744,6 @@
           </ac:spMkLst>
         </pc:spChg>
       </pc:sldChg>
-      <pc:sldChg chg="add">
-        <pc:chgData name="Lines, Todd" userId="afaf7c3a-e8aa-4568-882a-02ad8f9e19b0" providerId="ADAL" clId="{14296D12-9F60-4F77-B385-37A87B0E06F0}" dt="2023-10-05T23:07:09.674" v="106"/>
-        <pc:sldMkLst>
-          <pc:docMk/>
-          <pc:sldMk cId="3931589749" sldId="1271"/>
-        </pc:sldMkLst>
-      </pc:sldChg>
       <pc:sldChg chg="add del">
         <pc:chgData name="Lines, Todd" userId="afaf7c3a-e8aa-4568-882a-02ad8f9e19b0" providerId="ADAL" clId="{14296D12-9F60-4F77-B385-37A87B0E06F0}" dt="2023-10-05T23:06:57.292" v="105" actId="2696"/>
         <pc:sldMkLst>
@@ -746,13 +758,6 @@
           <pc:sldMk cId="0" sldId="1272"/>
         </pc:sldMkLst>
       </pc:sldChg>
-      <pc:sldChg chg="add">
-        <pc:chgData name="Lines, Todd" userId="afaf7c3a-e8aa-4568-882a-02ad8f9e19b0" providerId="ADAL" clId="{14296D12-9F60-4F77-B385-37A87B0E06F0}" dt="2023-10-05T23:16:16.450" v="114"/>
-        <pc:sldMkLst>
-          <pc:docMk/>
-          <pc:sldMk cId="2714517739" sldId="1273"/>
-        </pc:sldMkLst>
-      </pc:sldChg>
       <pc:sldChg chg="add del">
         <pc:chgData name="Lines, Todd" userId="afaf7c3a-e8aa-4568-882a-02ad8f9e19b0" providerId="ADAL" clId="{14296D12-9F60-4F77-B385-37A87B0E06F0}" dt="2023-10-05T23:16:08.689" v="113" actId="2696"/>
         <pc:sldMkLst>
@@ -760,8 +765,8 @@
           <pc:sldMk cId="2714517739" sldId="1273"/>
         </pc:sldMkLst>
       </pc:sldChg>
-      <pc:sldChg chg="add del">
-        <pc:chgData name="Lines, Todd" userId="afaf7c3a-e8aa-4568-882a-02ad8f9e19b0" providerId="ADAL" clId="{14296D12-9F60-4F77-B385-37A87B0E06F0}" dt="2023-10-05T23:11:27.754" v="107" actId="2696"/>
+      <pc:sldChg chg="add">
+        <pc:chgData name="Lines, Todd" userId="afaf7c3a-e8aa-4568-882a-02ad8f9e19b0" providerId="ADAL" clId="{14296D12-9F60-4F77-B385-37A87B0E06F0}" dt="2023-10-05T23:11:37.004" v="108"/>
         <pc:sldMkLst>
           <pc:docMk/>
           <pc:sldMk cId="57555738" sldId="1274"/>
@@ -771,28 +776,7 @@
         <pc:chgData name="Lines, Todd" userId="afaf7c3a-e8aa-4568-882a-02ad8f9e19b0" providerId="ADAL" clId="{14296D12-9F60-4F77-B385-37A87B0E06F0}" dt="2023-10-05T23:11:37.004" v="108"/>
         <pc:sldMkLst>
           <pc:docMk/>
-          <pc:sldMk cId="57555738" sldId="1274"/>
-        </pc:sldMkLst>
-      </pc:sldChg>
-      <pc:sldChg chg="add del">
-        <pc:chgData name="Lines, Todd" userId="afaf7c3a-e8aa-4568-882a-02ad8f9e19b0" providerId="ADAL" clId="{14296D12-9F60-4F77-B385-37A87B0E06F0}" dt="2023-10-05T23:11:27.754" v="107" actId="2696"/>
-        <pc:sldMkLst>
-          <pc:docMk/>
           <pc:sldMk cId="1172192406" sldId="1275"/>
-        </pc:sldMkLst>
-      </pc:sldChg>
-      <pc:sldChg chg="add">
-        <pc:chgData name="Lines, Todd" userId="afaf7c3a-e8aa-4568-882a-02ad8f9e19b0" providerId="ADAL" clId="{14296D12-9F60-4F77-B385-37A87B0E06F0}" dt="2023-10-05T23:11:37.004" v="108"/>
-        <pc:sldMkLst>
-          <pc:docMk/>
-          <pc:sldMk cId="1172192406" sldId="1275"/>
-        </pc:sldMkLst>
-      </pc:sldChg>
-      <pc:sldChg chg="add del">
-        <pc:chgData name="Lines, Todd" userId="afaf7c3a-e8aa-4568-882a-02ad8f9e19b0" providerId="ADAL" clId="{14296D12-9F60-4F77-B385-37A87B0E06F0}" dt="2023-10-05T23:14:47.787" v="109" actId="2696"/>
-        <pc:sldMkLst>
-          <pc:docMk/>
-          <pc:sldMk cId="1589885930" sldId="1276"/>
         </pc:sldMkLst>
       </pc:sldChg>
       <pc:sldChg chg="add ord">
@@ -1002,7 +986,7 @@
             <a:fld id="{611150BB-705A-46C0-A489-125D19038900}" type="datetimeFigureOut">
               <a:rPr lang="en-US" smtClean="0"/>
               <a:pPr/>
-              <a:t>5/16/2024</a:t>
+              <a:t>10/10/2024</a:t>
             </a:fld>
             <a:endParaRPr lang="en-US"/>
           </a:p>
@@ -1616,7 +1600,7 @@
             <a:fld id="{EFBB5B7A-3EC1-4CBC-A1FD-4B8F1F44BB01}" type="datetimeFigureOut">
               <a:rPr lang="en-US" smtClean="0"/>
               <a:pPr/>
-              <a:t>5/16/2024</a:t>
+              <a:t>10/10/2024</a:t>
             </a:fld>
             <a:endParaRPr lang="en-US"/>
           </a:p>
@@ -1781,7 +1765,7 @@
             <a:fld id="{EFBB5B7A-3EC1-4CBC-A1FD-4B8F1F44BB01}" type="datetimeFigureOut">
               <a:rPr lang="en-US" smtClean="0"/>
               <a:pPr/>
-              <a:t>5/16/2024</a:t>
+              <a:t>10/10/2024</a:t>
             </a:fld>
             <a:endParaRPr lang="en-US"/>
           </a:p>
@@ -1956,7 +1940,7 @@
             <a:fld id="{EFBB5B7A-3EC1-4CBC-A1FD-4B8F1F44BB01}" type="datetimeFigureOut">
               <a:rPr lang="en-US" smtClean="0"/>
               <a:pPr/>
-              <a:t>5/16/2024</a:t>
+              <a:t>10/10/2024</a:t>
             </a:fld>
             <a:endParaRPr lang="en-US"/>
           </a:p>
@@ -2607,7 +2591,7 @@
             <a:fld id="{EFBB5B7A-3EC1-4CBC-A1FD-4B8F1F44BB01}" type="datetimeFigureOut">
               <a:rPr lang="en-US" smtClean="0"/>
               <a:pPr/>
-              <a:t>5/16/2024</a:t>
+              <a:t>10/10/2024</a:t>
             </a:fld>
             <a:endParaRPr lang="en-US"/>
           </a:p>
@@ -2849,7 +2833,7 @@
             <a:fld id="{EFBB5B7A-3EC1-4CBC-A1FD-4B8F1F44BB01}" type="datetimeFigureOut">
               <a:rPr lang="en-US" smtClean="0"/>
               <a:pPr/>
-              <a:t>5/16/2024</a:t>
+              <a:t>10/10/2024</a:t>
             </a:fld>
             <a:endParaRPr lang="en-US"/>
           </a:p>
@@ -3131,7 +3115,7 @@
             <a:fld id="{EFBB5B7A-3EC1-4CBC-A1FD-4B8F1F44BB01}" type="datetimeFigureOut">
               <a:rPr lang="en-US" smtClean="0"/>
               <a:pPr/>
-              <a:t>5/16/2024</a:t>
+              <a:t>10/10/2024</a:t>
             </a:fld>
             <a:endParaRPr lang="en-US"/>
           </a:p>
@@ -3547,7 +3531,7 @@
             <a:fld id="{EFBB5B7A-3EC1-4CBC-A1FD-4B8F1F44BB01}" type="datetimeFigureOut">
               <a:rPr lang="en-US" smtClean="0"/>
               <a:pPr/>
-              <a:t>5/16/2024</a:t>
+              <a:t>10/10/2024</a:t>
             </a:fld>
             <a:endParaRPr lang="en-US"/>
           </a:p>
@@ -3661,7 +3645,7 @@
             <a:fld id="{EFBB5B7A-3EC1-4CBC-A1FD-4B8F1F44BB01}" type="datetimeFigureOut">
               <a:rPr lang="en-US" smtClean="0"/>
               <a:pPr/>
-              <a:t>5/16/2024</a:t>
+              <a:t>10/10/2024</a:t>
             </a:fld>
             <a:endParaRPr lang="en-US"/>
           </a:p>
@@ -3753,7 +3737,7 @@
             <a:fld id="{EFBB5B7A-3EC1-4CBC-A1FD-4B8F1F44BB01}" type="datetimeFigureOut">
               <a:rPr lang="en-US" smtClean="0"/>
               <a:pPr/>
-              <a:t>5/16/2024</a:t>
+              <a:t>10/10/2024</a:t>
             </a:fld>
             <a:endParaRPr lang="en-US"/>
           </a:p>
@@ -4025,7 +4009,7 @@
             <a:fld id="{EFBB5B7A-3EC1-4CBC-A1FD-4B8F1F44BB01}" type="datetimeFigureOut">
               <a:rPr lang="en-US" smtClean="0"/>
               <a:pPr/>
-              <a:t>5/16/2024</a:t>
+              <a:t>10/10/2024</a:t>
             </a:fld>
             <a:endParaRPr lang="en-US"/>
           </a:p>
@@ -4274,7 +4258,7 @@
             <a:fld id="{EFBB5B7A-3EC1-4CBC-A1FD-4B8F1F44BB01}" type="datetimeFigureOut">
               <a:rPr lang="en-US" smtClean="0"/>
               <a:pPr/>
-              <a:t>5/16/2024</a:t>
+              <a:t>10/10/2024</a:t>
             </a:fld>
             <a:endParaRPr lang="en-US"/>
           </a:p>
@@ -4482,7 +4466,7 @@
             <a:fld id="{EFBB5B7A-3EC1-4CBC-A1FD-4B8F1F44BB01}" type="datetimeFigureOut">
               <a:rPr lang="en-US" smtClean="0"/>
               <a:pPr/>
-              <a:t>5/16/2024</a:t>
+              <a:t>10/10/2024</a:t>
             </a:fld>
             <a:endParaRPr lang="en-US"/>
           </a:p>
@@ -9282,7 +9266,12 @@
             <p:ph type="title"/>
           </p:nvPr>
         </p:nvSpPr>
-        <p:spPr/>
+        <p:spPr>
+          <a:xfrm>
+            <a:off x="436880" y="-131762"/>
+            <a:ext cx="8229600" cy="1143000"/>
+          </a:xfrm>
+        </p:spPr>
         <p:txBody>
           <a:bodyPr/>
           <a:lstStyle/>
@@ -9341,13 +9330,13 @@
           <p:nvPr>
             <p:extLst>
               <p:ext uri="{D42A27DB-BD31-4B8C-83A1-F6EECF244321}">
-                <p14:modId xmlns:p14="http://schemas.microsoft.com/office/powerpoint/2010/main" val="3452227367"/>
+                <p14:modId xmlns:p14="http://schemas.microsoft.com/office/powerpoint/2010/main" val="797379625"/>
               </p:ext>
             </p:extLst>
           </p:nvPr>
         </p:nvGraphicFramePr>
         <p:xfrm>
-          <a:off x="-65988" y="1211658"/>
+          <a:off x="-86308" y="805258"/>
           <a:ext cx="9034895" cy="3581400"/>
         </p:xfrm>
         <a:graphic>
@@ -9384,7 +9373,7 @@
                     </p:blipFill>
                     <p:spPr bwMode="auto">
                       <a:xfrm>
-                        <a:off x="-65988" y="1211658"/>
+                        <a:off x="-86308" y="805258"/>
                         <a:ext cx="9034895" cy="3581400"/>
                       </a:xfrm>
                       <a:prstGeom prst="rect">
@@ -9408,6 +9397,62 @@
           </a:graphicData>
         </a:graphic>
       </p:graphicFrame>
+      <p:pic>
+        <p:nvPicPr>
+          <p:cNvPr id="1026" name="Picture 2" descr="Solvay Conference - Wikipedia">
+            <a:extLst>
+              <a:ext uri="{FF2B5EF4-FFF2-40B4-BE49-F238E27FC236}">
+                <a16:creationId xmlns:a16="http://schemas.microsoft.com/office/drawing/2014/main" id="{A99261AE-D5B0-C145-7F06-8D9AD4FA7212}"/>
+              </a:ext>
+            </a:extLst>
+          </p:cNvPr>
+          <p:cNvPicPr>
+            <a:picLocks noChangeAspect="1" noChangeArrowheads="1"/>
+          </p:cNvPicPr>
+          <p:nvPr/>
+        </p:nvPicPr>
+        <p:blipFill>
+          <a:blip r:embed="rId4">
+            <a:extLst>
+              <a:ext uri="{BEBA8EAE-BF5A-486C-A8C5-ECC9F3942E4B}">
+                <a14:imgProps xmlns:a14="http://schemas.microsoft.com/office/drawing/2010/main">
+                  <a14:imgLayer r:embed="rId5">
+                    <a14:imgEffect>
+                      <a14:artisticCrisscrossEtching/>
+                    </a14:imgEffect>
+                  </a14:imgLayer>
+                </a14:imgProps>
+              </a:ext>
+              <a:ext uri="{28A0092B-C50C-407E-A947-70E740481C1C}">
+                <a14:useLocalDpi xmlns:a14="http://schemas.microsoft.com/office/drawing/2010/main" val="0"/>
+              </a:ext>
+            </a:extLst>
+          </a:blip>
+          <a:srcRect/>
+          <a:stretch>
+            <a:fillRect/>
+          </a:stretch>
+        </p:blipFill>
+        <p:spPr bwMode="auto">
+          <a:xfrm>
+            <a:off x="2398821" y="4658515"/>
+            <a:ext cx="4105275" cy="2143125"/>
+          </a:xfrm>
+          <a:prstGeom prst="rect">
+            <a:avLst/>
+          </a:prstGeom>
+          <a:noFill/>
+          <a:extLst>
+            <a:ext uri="{909E8E84-426E-40DD-AFC4-6F175D3DCCD1}">
+              <a14:hiddenFill xmlns:a14="http://schemas.microsoft.com/office/drawing/2010/main">
+                <a:solidFill>
+                  <a:srgbClr val="FFFFFF"/>
+                </a:solidFill>
+              </a14:hiddenFill>
+            </a:ext>
+          </a:extLst>
+        </p:spPr>
+      </p:pic>
     </p:spTree>
   </p:cSld>
   <p:clrMapOvr>

--- a/Slides/PH223_Lecture_16.pptx
+++ b/Slides/PH223_Lecture_16.pptx
@@ -206,13 +206,105 @@
 <file path=ppt/revisionInfo.xml><?xml version="1.0" encoding="utf-8"?>
 <p1510:revInfo xmlns:a="http://schemas.openxmlformats.org/drawingml/2006/main" xmlns:r="http://schemas.openxmlformats.org/officeDocument/2006/relationships" xmlns:p1510="http://schemas.microsoft.com/office/powerpoint/2015/10/main">
   <p1510:revLst>
-    <p1510:client id="{C03B7BF8-8995-4F0A-8544-B97870947199}" v="3" dt="2024-10-10T16:55:03.043"/>
+    <p1510:client id="{64023383-41F5-474F-8695-D4B52BF7F3AF}" v="9" dt="2024-11-27T20:58:43.615"/>
   </p1510:revLst>
 </p1510:revInfo>
 </file>
 
 <file path=ppt/changesInfos/changesInfo1.xml><?xml version="1.0" encoding="utf-8"?>
 <pc:chgInfo xmlns:a="http://schemas.openxmlformats.org/drawingml/2006/main" xmlns:r="http://schemas.openxmlformats.org/officeDocument/2006/relationships" xmlns:ac="http://schemas.microsoft.com/office/drawing/2013/main/command" xmlns:pc="http://schemas.microsoft.com/office/powerpoint/2013/main/command">
+  <pc:docChgLst>
+    <pc:chgData name="Lines, Todd" userId="afaf7c3a-e8aa-4568-882a-02ad8f9e19b0" providerId="ADAL" clId="{64023383-41F5-474F-8695-D4B52BF7F3AF}"/>
+    <pc:docChg chg="custSel modSld">
+      <pc:chgData name="Lines, Todd" userId="afaf7c3a-e8aa-4568-882a-02ad8f9e19b0" providerId="ADAL" clId="{64023383-41F5-474F-8695-D4B52BF7F3AF}" dt="2024-11-27T20:59:02.862" v="13" actId="21"/>
+      <pc:docMkLst>
+        <pc:docMk/>
+      </pc:docMkLst>
+      <pc:sldChg chg="delSp modSp mod">
+        <pc:chgData name="Lines, Todd" userId="afaf7c3a-e8aa-4568-882a-02ad8f9e19b0" providerId="ADAL" clId="{64023383-41F5-474F-8695-D4B52BF7F3AF}" dt="2024-11-27T20:55:33.747" v="3" actId="21"/>
+        <pc:sldMkLst>
+          <pc:docMk/>
+          <pc:sldMk cId="0" sldId="281"/>
+        </pc:sldMkLst>
+        <pc:picChg chg="del mod">
+          <ac:chgData name="Lines, Todd" userId="afaf7c3a-e8aa-4568-882a-02ad8f9e19b0" providerId="ADAL" clId="{64023383-41F5-474F-8695-D4B52BF7F3AF}" dt="2024-11-27T20:55:33.747" v="3" actId="21"/>
+          <ac:picMkLst>
+            <pc:docMk/>
+            <pc:sldMk cId="0" sldId="281"/>
+            <ac:picMk id="2" creationId="{8AF0FD93-610E-E844-B7AC-6C326BF03C4B}"/>
+          </ac:picMkLst>
+        </pc:picChg>
+      </pc:sldChg>
+      <pc:sldChg chg="delSp modSp mod">
+        <pc:chgData name="Lines, Todd" userId="afaf7c3a-e8aa-4568-882a-02ad8f9e19b0" providerId="ADAL" clId="{64023383-41F5-474F-8695-D4B52BF7F3AF}" dt="2024-11-27T20:56:35.853" v="5" actId="21"/>
+        <pc:sldMkLst>
+          <pc:docMk/>
+          <pc:sldMk cId="0" sldId="289"/>
+        </pc:sldMkLst>
+        <pc:picChg chg="del mod">
+          <ac:chgData name="Lines, Todd" userId="afaf7c3a-e8aa-4568-882a-02ad8f9e19b0" providerId="ADAL" clId="{64023383-41F5-474F-8695-D4B52BF7F3AF}" dt="2024-11-27T20:56:35.853" v="5" actId="21"/>
+          <ac:picMkLst>
+            <pc:docMk/>
+            <pc:sldMk cId="0" sldId="289"/>
+            <ac:picMk id="2" creationId="{A2E81824-AA9D-4F54-B9CF-1898CE22F989}"/>
+          </ac:picMkLst>
+        </pc:picChg>
+      </pc:sldChg>
+      <pc:sldChg chg="delSp modSp mod">
+        <pc:chgData name="Lines, Todd" userId="afaf7c3a-e8aa-4568-882a-02ad8f9e19b0" providerId="ADAL" clId="{64023383-41F5-474F-8695-D4B52BF7F3AF}" dt="2024-11-27T20:59:02.862" v="13" actId="21"/>
+        <pc:sldMkLst>
+          <pc:docMk/>
+          <pc:sldMk cId="0" sldId="298"/>
+        </pc:sldMkLst>
+        <pc:picChg chg="del mod">
+          <ac:chgData name="Lines, Todd" userId="afaf7c3a-e8aa-4568-882a-02ad8f9e19b0" providerId="ADAL" clId="{64023383-41F5-474F-8695-D4B52BF7F3AF}" dt="2024-11-27T20:59:02.862" v="13" actId="21"/>
+          <ac:picMkLst>
+            <pc:docMk/>
+            <pc:sldMk cId="0" sldId="298"/>
+            <ac:picMk id="2" creationId="{1592DAB3-26DE-D08F-DCDE-AA4578B4C089}"/>
+          </ac:picMkLst>
+        </pc:picChg>
+      </pc:sldChg>
+      <pc:sldChg chg="delSp modSp mod">
+        <pc:chgData name="Lines, Todd" userId="afaf7c3a-e8aa-4568-882a-02ad8f9e19b0" providerId="ADAL" clId="{64023383-41F5-474F-8695-D4B52BF7F3AF}" dt="2024-11-27T20:54:16.857" v="1" actId="21"/>
+        <pc:sldMkLst>
+          <pc:docMk/>
+          <pc:sldMk cId="0" sldId="308"/>
+        </pc:sldMkLst>
+        <pc:picChg chg="del mod">
+          <ac:chgData name="Lines, Todd" userId="afaf7c3a-e8aa-4568-882a-02ad8f9e19b0" providerId="ADAL" clId="{64023383-41F5-474F-8695-D4B52BF7F3AF}" dt="2024-11-27T20:54:16.857" v="1" actId="21"/>
+          <ac:picMkLst>
+            <pc:docMk/>
+            <pc:sldMk cId="0" sldId="308"/>
+            <ac:picMk id="5" creationId="{42F4941A-0A4C-8CF3-52C1-3026694F093B}"/>
+          </ac:picMkLst>
+        </pc:picChg>
+      </pc:sldChg>
+      <pc:sldChg chg="delSp modSp mod">
+        <pc:chgData name="Lines, Todd" userId="afaf7c3a-e8aa-4568-882a-02ad8f9e19b0" providerId="ADAL" clId="{64023383-41F5-474F-8695-D4B52BF7F3AF}" dt="2024-11-27T20:58:12.612" v="11" actId="1036"/>
+        <pc:sldMkLst>
+          <pc:docMk/>
+          <pc:sldMk cId="825466537" sldId="312"/>
+        </pc:sldMkLst>
+        <pc:picChg chg="del mod">
+          <ac:chgData name="Lines, Todd" userId="afaf7c3a-e8aa-4568-882a-02ad8f9e19b0" providerId="ADAL" clId="{64023383-41F5-474F-8695-D4B52BF7F3AF}" dt="2024-11-27T20:57:44.152" v="7" actId="21"/>
+          <ac:picMkLst>
+            <pc:docMk/>
+            <pc:sldMk cId="825466537" sldId="312"/>
+            <ac:picMk id="2" creationId="{0987CC56-D959-D346-E089-CF1A1EEB5C89}"/>
+          </ac:picMkLst>
+        </pc:picChg>
+        <pc:picChg chg="mod">
+          <ac:chgData name="Lines, Todd" userId="afaf7c3a-e8aa-4568-882a-02ad8f9e19b0" providerId="ADAL" clId="{64023383-41F5-474F-8695-D4B52BF7F3AF}" dt="2024-11-27T20:58:12.612" v="11" actId="1036"/>
+          <ac:picMkLst>
+            <pc:docMk/>
+            <pc:sldMk cId="825466537" sldId="312"/>
+            <ac:picMk id="29698" creationId="{00000000-0000-0000-0000-000000000000}"/>
+          </ac:picMkLst>
+        </pc:picChg>
+      </pc:sldChg>
+    </pc:docChg>
+  </pc:docChgLst>
   <pc:docChgLst>
     <pc:chgData name="Lines, Todd" userId="afaf7c3a-e8aa-4568-882a-02ad8f9e19b0" providerId="ADAL" clId="{C03B7BF8-8995-4F0A-8544-B97870947199}"/>
     <pc:docChg chg="modSld">
@@ -986,7 +1078,7 @@
             <a:fld id="{611150BB-705A-46C0-A489-125D19038900}" type="datetimeFigureOut">
               <a:rPr lang="en-US" smtClean="0"/>
               <a:pPr/>
-              <a:t>10/10/2024</a:t>
+              <a:t>11/27/2024</a:t>
             </a:fld>
             <a:endParaRPr lang="en-US"/>
           </a:p>
@@ -1600,7 +1692,7 @@
             <a:fld id="{EFBB5B7A-3EC1-4CBC-A1FD-4B8F1F44BB01}" type="datetimeFigureOut">
               <a:rPr lang="en-US" smtClean="0"/>
               <a:pPr/>
-              <a:t>10/10/2024</a:t>
+              <a:t>11/27/2024</a:t>
             </a:fld>
             <a:endParaRPr lang="en-US"/>
           </a:p>
@@ -1765,7 +1857,7 @@
             <a:fld id="{EFBB5B7A-3EC1-4CBC-A1FD-4B8F1F44BB01}" type="datetimeFigureOut">
               <a:rPr lang="en-US" smtClean="0"/>
               <a:pPr/>
-              <a:t>10/10/2024</a:t>
+              <a:t>11/27/2024</a:t>
             </a:fld>
             <a:endParaRPr lang="en-US"/>
           </a:p>
@@ -1940,7 +2032,7 @@
             <a:fld id="{EFBB5B7A-3EC1-4CBC-A1FD-4B8F1F44BB01}" type="datetimeFigureOut">
               <a:rPr lang="en-US" smtClean="0"/>
               <a:pPr/>
-              <a:t>10/10/2024</a:t>
+              <a:t>11/27/2024</a:t>
             </a:fld>
             <a:endParaRPr lang="en-US"/>
           </a:p>
@@ -2591,7 +2683,7 @@
             <a:fld id="{EFBB5B7A-3EC1-4CBC-A1FD-4B8F1F44BB01}" type="datetimeFigureOut">
               <a:rPr lang="en-US" smtClean="0"/>
               <a:pPr/>
-              <a:t>10/10/2024</a:t>
+              <a:t>11/27/2024</a:t>
             </a:fld>
             <a:endParaRPr lang="en-US"/>
           </a:p>
@@ -2833,7 +2925,7 @@
             <a:fld id="{EFBB5B7A-3EC1-4CBC-A1FD-4B8F1F44BB01}" type="datetimeFigureOut">
               <a:rPr lang="en-US" smtClean="0"/>
               <a:pPr/>
-              <a:t>10/10/2024</a:t>
+              <a:t>11/27/2024</a:t>
             </a:fld>
             <a:endParaRPr lang="en-US"/>
           </a:p>
@@ -3115,7 +3207,7 @@
             <a:fld id="{EFBB5B7A-3EC1-4CBC-A1FD-4B8F1F44BB01}" type="datetimeFigureOut">
               <a:rPr lang="en-US" smtClean="0"/>
               <a:pPr/>
-              <a:t>10/10/2024</a:t>
+              <a:t>11/27/2024</a:t>
             </a:fld>
             <a:endParaRPr lang="en-US"/>
           </a:p>
@@ -3531,7 +3623,7 @@
             <a:fld id="{EFBB5B7A-3EC1-4CBC-A1FD-4B8F1F44BB01}" type="datetimeFigureOut">
               <a:rPr lang="en-US" smtClean="0"/>
               <a:pPr/>
-              <a:t>10/10/2024</a:t>
+              <a:t>11/27/2024</a:t>
             </a:fld>
             <a:endParaRPr lang="en-US"/>
           </a:p>
@@ -3645,7 +3737,7 @@
             <a:fld id="{EFBB5B7A-3EC1-4CBC-A1FD-4B8F1F44BB01}" type="datetimeFigureOut">
               <a:rPr lang="en-US" smtClean="0"/>
               <a:pPr/>
-              <a:t>10/10/2024</a:t>
+              <a:t>11/27/2024</a:t>
             </a:fld>
             <a:endParaRPr lang="en-US"/>
           </a:p>
@@ -3737,7 +3829,7 @@
             <a:fld id="{EFBB5B7A-3EC1-4CBC-A1FD-4B8F1F44BB01}" type="datetimeFigureOut">
               <a:rPr lang="en-US" smtClean="0"/>
               <a:pPr/>
-              <a:t>10/10/2024</a:t>
+              <a:t>11/27/2024</a:t>
             </a:fld>
             <a:endParaRPr lang="en-US"/>
           </a:p>
@@ -4009,7 +4101,7 @@
             <a:fld id="{EFBB5B7A-3EC1-4CBC-A1FD-4B8F1F44BB01}" type="datetimeFigureOut">
               <a:rPr lang="en-US" smtClean="0"/>
               <a:pPr/>
-              <a:t>10/10/2024</a:t>
+              <a:t>11/27/2024</a:t>
             </a:fld>
             <a:endParaRPr lang="en-US"/>
           </a:p>
@@ -4258,7 +4350,7 @@
             <a:fld id="{EFBB5B7A-3EC1-4CBC-A1FD-4B8F1F44BB01}" type="datetimeFigureOut">
               <a:rPr lang="en-US" smtClean="0"/>
               <a:pPr/>
-              <a:t>10/10/2024</a:t>
+              <a:t>11/27/2024</a:t>
             </a:fld>
             <a:endParaRPr lang="en-US"/>
           </a:p>
@@ -4466,7 +4558,7 @@
             <a:fld id="{EFBB5B7A-3EC1-4CBC-A1FD-4B8F1F44BB01}" type="datetimeFigureOut">
               <a:rPr lang="en-US" smtClean="0"/>
               <a:pPr/>
-              <a:t>10/10/2024</a:t>
+              <a:t>11/27/2024</a:t>
             </a:fld>
             <a:endParaRPr lang="en-US"/>
           </a:p>
@@ -40414,7 +40506,7 @@
         </p:blipFill>
         <p:spPr bwMode="auto">
           <a:xfrm>
-            <a:off x="1509713" y="1566863"/>
+            <a:off x="1509713" y="1607503"/>
             <a:ext cx="6124575" cy="3724275"/>
           </a:xfrm>
           <a:prstGeom prst="rect">

--- a/Slides/PH223_Lecture_16.pptx
+++ b/Slides/PH223_Lecture_16.pptx
@@ -147,13 +147,60 @@
 <file path=ppt/revisionInfo.xml><?xml version="1.0" encoding="utf-8"?>
 <p1510:revInfo xmlns:a="http://schemas.openxmlformats.org/drawingml/2006/main" xmlns:r="http://schemas.openxmlformats.org/officeDocument/2006/relationships" xmlns:p1510="http://schemas.microsoft.com/office/powerpoint/2015/10/main">
   <p1510:revLst>
-    <p1510:client id="{49170AD9-6FBF-4204-85E0-ABDE04B93642}" v="1" dt="2024-06-21T17:36:27.475"/>
+    <p1510:client id="{A5D9F39F-960F-419B-B145-38994FABE65C}" v="1" dt="2025-10-09T16:58:36.392"/>
   </p1510:revLst>
 </p1510:revInfo>
 </file>
 
 <file path=ppt/changesInfos/changesInfo1.xml><?xml version="1.0" encoding="utf-8"?>
 <pc:chgInfo xmlns:a="http://schemas.openxmlformats.org/drawingml/2006/main" xmlns:r="http://schemas.openxmlformats.org/officeDocument/2006/relationships" xmlns:ac="http://schemas.microsoft.com/office/drawing/2013/main/command" xmlns:pc="http://schemas.microsoft.com/office/powerpoint/2013/main/command">
+  <pc:docChgLst>
+    <pc:chgData name="Lines, Todd" userId="afaf7c3a-e8aa-4568-882a-02ad8f9e19b0" providerId="ADAL" clId="{5FF5AC1B-ABA9-43D7-A1E3-2D92732CD6E2}"/>
+    <pc:docChg chg="modSld">
+      <pc:chgData name="Lines, Todd" userId="afaf7c3a-e8aa-4568-882a-02ad8f9e19b0" providerId="ADAL" clId="{5FF5AC1B-ABA9-43D7-A1E3-2D92732CD6E2}" dt="2025-10-09T16:58:43.150" v="35" actId="27614"/>
+      <pc:docMkLst>
+        <pc:docMk/>
+      </pc:docMkLst>
+      <pc:sldChg chg="addSp modSp mod">
+        <pc:chgData name="Lines, Todd" userId="afaf7c3a-e8aa-4568-882a-02ad8f9e19b0" providerId="ADAL" clId="{5FF5AC1B-ABA9-43D7-A1E3-2D92732CD6E2}" dt="2025-10-09T16:58:43.150" v="35" actId="27614"/>
+        <pc:sldMkLst>
+          <pc:docMk/>
+          <pc:sldMk cId="0" sldId="267"/>
+        </pc:sldMkLst>
+        <pc:picChg chg="add mod">
+          <ac:chgData name="Lines, Todd" userId="afaf7c3a-e8aa-4568-882a-02ad8f9e19b0" providerId="ADAL" clId="{5FF5AC1B-ABA9-43D7-A1E3-2D92732CD6E2}" dt="2025-10-09T16:58:43.150" v="35" actId="27614"/>
+          <ac:picMkLst>
+            <pc:docMk/>
+            <pc:sldMk cId="0" sldId="267"/>
+            <ac:picMk id="3" creationId="{33E08DC1-2626-F00F-BD04-8708DC966F3F}"/>
+          </ac:picMkLst>
+        </pc:picChg>
+      </pc:sldChg>
+      <pc:sldChg chg="modSp mod">
+        <pc:chgData name="Lines, Todd" userId="afaf7c3a-e8aa-4568-882a-02ad8f9e19b0" providerId="ADAL" clId="{5FF5AC1B-ABA9-43D7-A1E3-2D92732CD6E2}" dt="2025-10-09T16:22:10.839" v="32" actId="20577"/>
+        <pc:sldMkLst>
+          <pc:docMk/>
+          <pc:sldMk cId="1504465854" sldId="1437"/>
+        </pc:sldMkLst>
+        <pc:spChg chg="mod">
+          <ac:chgData name="Lines, Todd" userId="afaf7c3a-e8aa-4568-882a-02ad8f9e19b0" providerId="ADAL" clId="{5FF5AC1B-ABA9-43D7-A1E3-2D92732CD6E2}" dt="2025-10-09T16:21:52.049" v="9" actId="20577"/>
+          <ac:spMkLst>
+            <pc:docMk/>
+            <pc:sldMk cId="1504465854" sldId="1437"/>
+            <ac:spMk id="2" creationId="{A84616FD-8141-7990-A0C6-DDA0156D4869}"/>
+          </ac:spMkLst>
+        </pc:spChg>
+        <pc:spChg chg="mod">
+          <ac:chgData name="Lines, Todd" userId="afaf7c3a-e8aa-4568-882a-02ad8f9e19b0" providerId="ADAL" clId="{5FF5AC1B-ABA9-43D7-A1E3-2D92732CD6E2}" dt="2025-10-09T16:22:10.839" v="32" actId="20577"/>
+          <ac:spMkLst>
+            <pc:docMk/>
+            <pc:sldMk cId="1504465854" sldId="1437"/>
+            <ac:spMk id="3" creationId="{954B5B35-8C2B-B961-B5C9-4177A1691F57}"/>
+          </ac:spMkLst>
+        </pc:spChg>
+      </pc:sldChg>
+    </pc:docChg>
+  </pc:docChgLst>
   <pc:docChgLst>
     <pc:chgData name="Lines, Todd" userId="afaf7c3a-e8aa-4568-882a-02ad8f9e19b0" providerId="ADAL" clId="{5028E244-1E29-451B-8325-33D7F2AD012C}"/>
     <pc:docChg chg="custSel addSld delSld modSld sldOrd">
@@ -167,30 +214,6 @@
           <pc:docMk/>
           <pc:sldMk cId="0" sldId="258"/>
         </pc:sldMkLst>
-        <pc:spChg chg="del">
-          <ac:chgData name="Lines, Todd" userId="afaf7c3a-e8aa-4568-882a-02ad8f9e19b0" providerId="ADAL" clId="{5028E244-1E29-451B-8325-33D7F2AD012C}" dt="2023-11-07T23:45:55.603" v="1" actId="478"/>
-          <ac:spMkLst>
-            <pc:docMk/>
-            <pc:sldMk cId="0" sldId="258"/>
-            <ac:spMk id="2" creationId="{00000000-0000-0000-0000-000000000000}"/>
-          </ac:spMkLst>
-        </pc:spChg>
-        <pc:spChg chg="del">
-          <ac:chgData name="Lines, Todd" userId="afaf7c3a-e8aa-4568-882a-02ad8f9e19b0" providerId="ADAL" clId="{5028E244-1E29-451B-8325-33D7F2AD012C}" dt="2023-11-07T23:45:56.942" v="2" actId="478"/>
-          <ac:spMkLst>
-            <pc:docMk/>
-            <pc:sldMk cId="0" sldId="258"/>
-            <ac:spMk id="3" creationId="{00000000-0000-0000-0000-000000000000}"/>
-          </ac:spMkLst>
-        </pc:spChg>
-        <pc:picChg chg="del mod">
-          <ac:chgData name="Lines, Todd" userId="afaf7c3a-e8aa-4568-882a-02ad8f9e19b0" providerId="ADAL" clId="{5028E244-1E29-451B-8325-33D7F2AD012C}" dt="2023-11-07T23:46:18.413" v="4" actId="21"/>
-          <ac:picMkLst>
-            <pc:docMk/>
-            <pc:sldMk cId="0" sldId="258"/>
-            <ac:picMk id="4" creationId="{41CF7B34-FF50-3D09-A839-441E00C9CE2D}"/>
-          </ac:picMkLst>
-        </pc:picChg>
       </pc:sldChg>
       <pc:sldChg chg="delSp modSp mod">
         <pc:chgData name="Lines, Todd" userId="afaf7c3a-e8aa-4568-882a-02ad8f9e19b0" providerId="ADAL" clId="{5028E244-1E29-451B-8325-33D7F2AD012C}" dt="2023-11-07T23:50:45.017" v="22" actId="21"/>
@@ -198,30 +221,6 @@
           <pc:docMk/>
           <pc:sldMk cId="0" sldId="259"/>
         </pc:sldMkLst>
-        <pc:spChg chg="del">
-          <ac:chgData name="Lines, Todd" userId="afaf7c3a-e8aa-4568-882a-02ad8f9e19b0" providerId="ADAL" clId="{5028E244-1E29-451B-8325-33D7F2AD012C}" dt="2023-11-07T23:50:29.157" v="19" actId="478"/>
-          <ac:spMkLst>
-            <pc:docMk/>
-            <pc:sldMk cId="0" sldId="259"/>
-            <ac:spMk id="2" creationId="{00000000-0000-0000-0000-000000000000}"/>
-          </ac:spMkLst>
-        </pc:spChg>
-        <pc:spChg chg="del">
-          <ac:chgData name="Lines, Todd" userId="afaf7c3a-e8aa-4568-882a-02ad8f9e19b0" providerId="ADAL" clId="{5028E244-1E29-451B-8325-33D7F2AD012C}" dt="2023-11-07T23:50:30.425" v="20" actId="478"/>
-          <ac:spMkLst>
-            <pc:docMk/>
-            <pc:sldMk cId="0" sldId="259"/>
-            <ac:spMk id="3" creationId="{00000000-0000-0000-0000-000000000000}"/>
-          </ac:spMkLst>
-        </pc:spChg>
-        <pc:picChg chg="del mod">
-          <ac:chgData name="Lines, Todd" userId="afaf7c3a-e8aa-4568-882a-02ad8f9e19b0" providerId="ADAL" clId="{5028E244-1E29-451B-8325-33D7F2AD012C}" dt="2023-11-07T23:50:45.017" v="22" actId="21"/>
-          <ac:picMkLst>
-            <pc:docMk/>
-            <pc:sldMk cId="0" sldId="259"/>
-            <ac:picMk id="4" creationId="{2701E97C-2670-D9B9-BBBF-4933ECC9E541}"/>
-          </ac:picMkLst>
-        </pc:picChg>
       </pc:sldChg>
       <pc:sldChg chg="delSp modSp mod">
         <pc:chgData name="Lines, Todd" userId="afaf7c3a-e8aa-4568-882a-02ad8f9e19b0" providerId="ADAL" clId="{5028E244-1E29-451B-8325-33D7F2AD012C}" dt="2023-11-07T23:52:15.643" v="30" actId="21"/>
@@ -229,14 +228,6 @@
           <pc:docMk/>
           <pc:sldMk cId="0" sldId="262"/>
         </pc:sldMkLst>
-        <pc:picChg chg="del mod">
-          <ac:chgData name="Lines, Todd" userId="afaf7c3a-e8aa-4568-882a-02ad8f9e19b0" providerId="ADAL" clId="{5028E244-1E29-451B-8325-33D7F2AD012C}" dt="2023-11-07T23:52:15.643" v="30" actId="21"/>
-          <ac:picMkLst>
-            <pc:docMk/>
-            <pc:sldMk cId="0" sldId="262"/>
-            <ac:picMk id="2" creationId="{64427F5F-BA98-98ED-1CD3-AEB2065B3E13}"/>
-          </ac:picMkLst>
-        </pc:picChg>
       </pc:sldChg>
       <pc:sldChg chg="delSp modSp mod">
         <pc:chgData name="Lines, Todd" userId="afaf7c3a-e8aa-4568-882a-02ad8f9e19b0" providerId="ADAL" clId="{5028E244-1E29-451B-8325-33D7F2AD012C}" dt="2023-11-07T23:51:08.463" v="26" actId="21"/>
@@ -244,30 +235,6 @@
           <pc:docMk/>
           <pc:sldMk cId="0" sldId="266"/>
         </pc:sldMkLst>
-        <pc:spChg chg="del">
-          <ac:chgData name="Lines, Todd" userId="afaf7c3a-e8aa-4568-882a-02ad8f9e19b0" providerId="ADAL" clId="{5028E244-1E29-451B-8325-33D7F2AD012C}" dt="2023-11-07T23:50:53.373" v="23" actId="478"/>
-          <ac:spMkLst>
-            <pc:docMk/>
-            <pc:sldMk cId="0" sldId="266"/>
-            <ac:spMk id="2" creationId="{00000000-0000-0000-0000-000000000000}"/>
-          </ac:spMkLst>
-        </pc:spChg>
-        <pc:spChg chg="del">
-          <ac:chgData name="Lines, Todd" userId="afaf7c3a-e8aa-4568-882a-02ad8f9e19b0" providerId="ADAL" clId="{5028E244-1E29-451B-8325-33D7F2AD012C}" dt="2023-11-07T23:50:54.546" v="24" actId="478"/>
-          <ac:spMkLst>
-            <pc:docMk/>
-            <pc:sldMk cId="0" sldId="266"/>
-            <ac:spMk id="3" creationId="{00000000-0000-0000-0000-000000000000}"/>
-          </ac:spMkLst>
-        </pc:spChg>
-        <pc:picChg chg="del mod">
-          <ac:chgData name="Lines, Todd" userId="afaf7c3a-e8aa-4568-882a-02ad8f9e19b0" providerId="ADAL" clId="{5028E244-1E29-451B-8325-33D7F2AD012C}" dt="2023-11-07T23:51:08.463" v="26" actId="21"/>
-          <ac:picMkLst>
-            <pc:docMk/>
-            <pc:sldMk cId="0" sldId="266"/>
-            <ac:picMk id="4" creationId="{38115DF7-128F-DF72-DA29-8C0AD42A27A6}"/>
-          </ac:picMkLst>
-        </pc:picChg>
       </pc:sldChg>
       <pc:sldChg chg="add ord">
         <pc:chgData name="Lines, Todd" userId="afaf7c3a-e8aa-4568-882a-02ad8f9e19b0" providerId="ADAL" clId="{5028E244-1E29-451B-8325-33D7F2AD012C}" dt="2023-11-07T23:47:06.054" v="10"/>
@@ -361,22 +328,6 @@
           <pc:docMk/>
           <pc:sldMk cId="3229743166" sldId="1438"/>
         </pc:sldMkLst>
-        <pc:spChg chg="del">
-          <ac:chgData name="Lines, Todd" userId="afaf7c3a-e8aa-4568-882a-02ad8f9e19b0" providerId="ADAL" clId="{49170AD9-6FBF-4204-85E0-ABDE04B93642}" dt="2024-06-21T17:36:27.475" v="1"/>
-          <ac:spMkLst>
-            <pc:docMk/>
-            <pc:sldMk cId="3229743166" sldId="1438"/>
-            <ac:spMk id="3" creationId="{B786E921-809B-BAC0-1CEA-F0FC319D02BA}"/>
-          </ac:spMkLst>
-        </pc:spChg>
-        <pc:picChg chg="add mod">
-          <ac:chgData name="Lines, Todd" userId="afaf7c3a-e8aa-4568-882a-02ad8f9e19b0" providerId="ADAL" clId="{49170AD9-6FBF-4204-85E0-ABDE04B93642}" dt="2024-06-21T18:27:42.857" v="4" actId="14100"/>
-          <ac:picMkLst>
-            <pc:docMk/>
-            <pc:sldMk cId="3229743166" sldId="1438"/>
-            <ac:picMk id="4" creationId="{3CA29352-66C6-97BB-FA9F-896EC067323D}"/>
-          </ac:picMkLst>
-        </pc:picChg>
       </pc:sldChg>
     </pc:docChg>
   </pc:docChgLst>
@@ -563,7 +514,7 @@
             <a:fld id="{0A56A753-9053-4C2C-9B2C-0220926BE43E}" type="datetimeFigureOut">
               <a:rPr lang="en-US" smtClean="0"/>
               <a:pPr/>
-              <a:t>6/21/2024</a:t>
+              <a:t>10/9/2025</a:t>
             </a:fld>
             <a:endParaRPr lang="en-US"/>
           </a:p>
@@ -728,7 +679,7 @@
             <a:fld id="{0A56A753-9053-4C2C-9B2C-0220926BE43E}" type="datetimeFigureOut">
               <a:rPr lang="en-US" smtClean="0"/>
               <a:pPr/>
-              <a:t>6/21/2024</a:t>
+              <a:t>10/9/2025</a:t>
             </a:fld>
             <a:endParaRPr lang="en-US"/>
           </a:p>
@@ -903,7 +854,7 @@
             <a:fld id="{0A56A753-9053-4C2C-9B2C-0220926BE43E}" type="datetimeFigureOut">
               <a:rPr lang="en-US" smtClean="0"/>
               <a:pPr/>
-              <a:t>6/21/2024</a:t>
+              <a:t>10/9/2025</a:t>
             </a:fld>
             <a:endParaRPr lang="en-US"/>
           </a:p>
@@ -1068,7 +1019,7 @@
             <a:fld id="{0A56A753-9053-4C2C-9B2C-0220926BE43E}" type="datetimeFigureOut">
               <a:rPr lang="en-US" smtClean="0"/>
               <a:pPr/>
-              <a:t>6/21/2024</a:t>
+              <a:t>10/9/2025</a:t>
             </a:fld>
             <a:endParaRPr lang="en-US"/>
           </a:p>
@@ -1310,7 +1261,7 @@
             <a:fld id="{0A56A753-9053-4C2C-9B2C-0220926BE43E}" type="datetimeFigureOut">
               <a:rPr lang="en-US" smtClean="0"/>
               <a:pPr/>
-              <a:t>6/21/2024</a:t>
+              <a:t>10/9/2025</a:t>
             </a:fld>
             <a:endParaRPr lang="en-US"/>
           </a:p>
@@ -1592,7 +1543,7 @@
             <a:fld id="{0A56A753-9053-4C2C-9B2C-0220926BE43E}" type="datetimeFigureOut">
               <a:rPr lang="en-US" smtClean="0"/>
               <a:pPr/>
-              <a:t>6/21/2024</a:t>
+              <a:t>10/9/2025</a:t>
             </a:fld>
             <a:endParaRPr lang="en-US"/>
           </a:p>
@@ -2008,7 +1959,7 @@
             <a:fld id="{0A56A753-9053-4C2C-9B2C-0220926BE43E}" type="datetimeFigureOut">
               <a:rPr lang="en-US" smtClean="0"/>
               <a:pPr/>
-              <a:t>6/21/2024</a:t>
+              <a:t>10/9/2025</a:t>
             </a:fld>
             <a:endParaRPr lang="en-US"/>
           </a:p>
@@ -2122,7 +2073,7 @@
             <a:fld id="{0A56A753-9053-4C2C-9B2C-0220926BE43E}" type="datetimeFigureOut">
               <a:rPr lang="en-US" smtClean="0"/>
               <a:pPr/>
-              <a:t>6/21/2024</a:t>
+              <a:t>10/9/2025</a:t>
             </a:fld>
             <a:endParaRPr lang="en-US"/>
           </a:p>
@@ -2214,7 +2165,7 @@
             <a:fld id="{0A56A753-9053-4C2C-9B2C-0220926BE43E}" type="datetimeFigureOut">
               <a:rPr lang="en-US" smtClean="0"/>
               <a:pPr/>
-              <a:t>6/21/2024</a:t>
+              <a:t>10/9/2025</a:t>
             </a:fld>
             <a:endParaRPr lang="en-US"/>
           </a:p>
@@ -2486,7 +2437,7 @@
             <a:fld id="{0A56A753-9053-4C2C-9B2C-0220926BE43E}" type="datetimeFigureOut">
               <a:rPr lang="en-US" smtClean="0"/>
               <a:pPr/>
-              <a:t>6/21/2024</a:t>
+              <a:t>10/9/2025</a:t>
             </a:fld>
             <a:endParaRPr lang="en-US"/>
           </a:p>
@@ -2735,7 +2686,7 @@
             <a:fld id="{0A56A753-9053-4C2C-9B2C-0220926BE43E}" type="datetimeFigureOut">
               <a:rPr lang="en-US" smtClean="0"/>
               <a:pPr/>
-              <a:t>6/21/2024</a:t>
+              <a:t>10/9/2025</a:t>
             </a:fld>
             <a:endParaRPr lang="en-US"/>
           </a:p>
@@ -2943,7 +2894,7 @@
             <a:fld id="{0A56A753-9053-4C2C-9B2C-0220926BE43E}" type="datetimeFigureOut">
               <a:rPr lang="en-US" smtClean="0"/>
               <a:pPr/>
-              <a:t>6/21/2024</a:t>
+              <a:t>10/9/2025</a:t>
             </a:fld>
             <a:endParaRPr lang="en-US"/>
           </a:p>
@@ -3335,7 +3286,10 @@
           <a:bodyPr/>
           <a:lstStyle/>
           <a:p>
-            <a:endParaRPr lang="en-US"/>
+            <a:r>
+              <a:rPr lang="en-US" dirty="0"/>
+              <a:t>Lecture 16</a:t>
+            </a:r>
           </a:p>
         </p:txBody>
       </p:sp>
@@ -3360,7 +3314,10 @@
           <a:bodyPr/>
           <a:lstStyle/>
           <a:p>
-            <a:endParaRPr lang="en-US"/>
+            <a:r>
+              <a:rPr lang="en-US" dirty="0"/>
+              <a:t>Dielectrics and Current</a:t>
+            </a:r>
           </a:p>
         </p:txBody>
       </p:sp>
@@ -33075,7 +33032,13 @@
           <p:cNvGraphicFramePr>
             <a:graphicFrameLocks noChangeAspect="1"/>
           </p:cNvGraphicFramePr>
-          <p:nvPr/>
+          <p:nvPr>
+            <p:extLst>
+              <p:ext uri="{D42A27DB-BD31-4B8C-83A1-F6EECF244321}">
+                <p14:modId xmlns:p14="http://schemas.microsoft.com/office/powerpoint/2010/main" val="3533655521"/>
+              </p:ext>
+            </p:extLst>
+          </p:nvPr>
         </p:nvGraphicFramePr>
         <p:xfrm>
           <a:off x="65277" y="822960"/>
@@ -33139,6 +33102,42 @@
           </a:graphicData>
         </a:graphic>
       </p:graphicFrame>
+      <p:pic>
+        <p:nvPicPr>
+          <p:cNvPr id="3" name="Picture 2" descr="A table with text on it&#10;&#10;AI-generated content may be incorrect.">
+            <a:extLst>
+              <a:ext uri="{FF2B5EF4-FFF2-40B4-BE49-F238E27FC236}">
+                <a16:creationId xmlns:a16="http://schemas.microsoft.com/office/drawing/2014/main" id="{33E08DC1-2626-F00F-BD04-8708DC966F3F}"/>
+              </a:ext>
+            </a:extLst>
+          </p:cNvPr>
+          <p:cNvPicPr>
+            <a:picLocks noChangeAspect="1"/>
+          </p:cNvPicPr>
+          <p:nvPr/>
+        </p:nvPicPr>
+        <p:blipFill>
+          <a:blip r:embed="rId4">
+            <a:extLst>
+              <a:ext uri="{28A0092B-C50C-407E-A947-70E740481C1C}">
+                <a14:useLocalDpi xmlns:a14="http://schemas.microsoft.com/office/drawing/2010/main" val="0"/>
+              </a:ext>
+            </a:extLst>
+          </a:blip>
+          <a:stretch>
+            <a:fillRect/>
+          </a:stretch>
+        </p:blipFill>
+        <p:spPr>
+          <a:xfrm>
+            <a:off x="32638" y="776441"/>
+            <a:ext cx="9144000" cy="5334799"/>
+          </a:xfrm>
+          <a:prstGeom prst="rect">
+            <a:avLst/>
+          </a:prstGeom>
+        </p:spPr>
+      </p:pic>
     </p:spTree>
   </p:cSld>
   <p:clrMapOvr>
